--- a/05_DockerHub01.pptx
+++ b/05_DockerHub01.pptx
@@ -4591,36 +4591,6 @@
       </p:sp>
       <p:sp>
         <p:nvSpPr>
-          <p:cNvPr id="3" name="副標題 2"/>
-          <p:cNvSpPr>
-            <a:spLocks noGrp="1"/>
-          </p:cNvSpPr>
-          <p:nvPr>
-            <p:ph type="subTitle" idx="1"/>
-          </p:nvPr>
-        </p:nvSpPr>
-        <p:spPr>
-          <a:xfrm>
-            <a:off x="1259632" y="4581128"/>
-            <a:ext cx="6400800" cy="694928"/>
-          </a:xfrm>
-        </p:spPr>
-        <p:txBody>
-          <a:bodyPr>
-            <a:normAutofit/>
-          </a:bodyPr>
-          <a:lstStyle/>
-          <a:p>
-            <a:r>
-              <a:rPr lang="en-US" altLang="zh-TW" dirty="0"/>
-              <a:t>Peter H. Chen</a:t>
-            </a:r>
-            <a:endParaRPr lang="zh-TW" altLang="en-US" dirty="0"/>
-          </a:p>
-        </p:txBody>
-      </p:sp>
-      <p:sp>
-        <p:nvSpPr>
           <p:cNvPr id="5" name="日期版面配置區 4"/>
           <p:cNvSpPr>
             <a:spLocks noGrp="1"/>
@@ -5413,36 +5383,6 @@
                 <a:srgbClr val="FFFF00"/>
               </a:solidFill>
             </a:endParaRPr>
-          </a:p>
-        </p:txBody>
-      </p:sp>
-      <p:sp>
-        <p:nvSpPr>
-          <p:cNvPr id="3" name="副標題 2"/>
-          <p:cNvSpPr>
-            <a:spLocks noGrp="1"/>
-          </p:cNvSpPr>
-          <p:nvPr>
-            <p:ph type="subTitle" idx="1"/>
-          </p:nvPr>
-        </p:nvSpPr>
-        <p:spPr>
-          <a:xfrm>
-            <a:off x="1259632" y="4581128"/>
-            <a:ext cx="6400800" cy="694928"/>
-          </a:xfrm>
-        </p:spPr>
-        <p:txBody>
-          <a:bodyPr>
-            <a:normAutofit/>
-          </a:bodyPr>
-          <a:lstStyle/>
-          <a:p>
-            <a:r>
-              <a:rPr lang="en-US" altLang="zh-TW" dirty="0"/>
-              <a:t>Peter H. Chen</a:t>
-            </a:r>
-            <a:endParaRPr lang="zh-TW" altLang="en-US" dirty="0"/>
           </a:p>
         </p:txBody>
       </p:sp>
@@ -6276,36 +6216,6 @@
                 <a:srgbClr val="FFFF00"/>
               </a:solidFill>
             </a:endParaRPr>
-          </a:p>
-        </p:txBody>
-      </p:sp>
-      <p:sp>
-        <p:nvSpPr>
-          <p:cNvPr id="3" name="副標題 2"/>
-          <p:cNvSpPr>
-            <a:spLocks noGrp="1"/>
-          </p:cNvSpPr>
-          <p:nvPr>
-            <p:ph type="subTitle" idx="1"/>
-          </p:nvPr>
-        </p:nvSpPr>
-        <p:spPr>
-          <a:xfrm>
-            <a:off x="1259632" y="4581128"/>
-            <a:ext cx="6400800" cy="694928"/>
-          </a:xfrm>
-        </p:spPr>
-        <p:txBody>
-          <a:bodyPr>
-            <a:normAutofit/>
-          </a:bodyPr>
-          <a:lstStyle/>
-          <a:p>
-            <a:r>
-              <a:rPr lang="en-US" altLang="zh-TW" dirty="0"/>
-              <a:t>Peter H. Chen</a:t>
-            </a:r>
-            <a:endParaRPr lang="zh-TW" altLang="en-US" dirty="0"/>
           </a:p>
         </p:txBody>
       </p:sp>

--- a/05_DockerHub01.pptx
+++ b/05_DockerHub01.pptx
@@ -218,7 +218,7 @@
             <a:fld id="{6837EDA8-41C8-4B24-A206-13C08A65A6D7}" type="datetimeFigureOut">
               <a:rPr lang="zh-TW" altLang="en-US" smtClean="0"/>
               <a:pPr/>
-              <a:t>2020/4/22</a:t>
+              <a:t>2021/12/8</a:t>
             </a:fld>
             <a:endParaRPr lang="zh-TW" altLang="en-US"/>
           </a:p>
@@ -671,7 +671,7 @@
             <a:fld id="{8B85509C-BD4F-47BF-9B1E-FC2E949B3621}" type="datetime1">
               <a:rPr lang="zh-TW" altLang="en-US" smtClean="0"/>
               <a:pPr/>
-              <a:t>2020/4/22</a:t>
+              <a:t>2021/12/8</a:t>
             </a:fld>
             <a:endParaRPr lang="zh-TW" altLang="en-US"/>
           </a:p>
@@ -844,7 +844,7 @@
             <a:fld id="{42251B24-F787-4C15-8A0F-7AEC20C70069}" type="datetime1">
               <a:rPr lang="zh-TW" altLang="en-US" smtClean="0"/>
               <a:pPr/>
-              <a:t>2020/4/22</a:t>
+              <a:t>2021/12/8</a:t>
             </a:fld>
             <a:endParaRPr lang="zh-TW" altLang="en-US"/>
           </a:p>
@@ -1019,7 +1019,7 @@
             <a:fld id="{9CA0D33C-CE2B-45F1-B8D4-FFD1F131F331}" type="datetime1">
               <a:rPr lang="zh-TW" altLang="en-US" smtClean="0"/>
               <a:pPr/>
-              <a:t>2020/4/22</a:t>
+              <a:t>2021/12/8</a:t>
             </a:fld>
             <a:endParaRPr lang="zh-TW" altLang="en-US"/>
           </a:p>
@@ -1184,7 +1184,7 @@
             <a:fld id="{50B99440-D9EF-40CC-9B52-F6428D9B2C76}" type="datetime1">
               <a:rPr lang="zh-TW" altLang="en-US" smtClean="0"/>
               <a:pPr/>
-              <a:t>2020/4/22</a:t>
+              <a:t>2021/12/8</a:t>
             </a:fld>
             <a:endParaRPr lang="zh-TW" altLang="en-US"/>
           </a:p>
@@ -1426,7 +1426,7 @@
             <a:fld id="{0871BF52-5C6C-4959-8E27-CECB68D39FE4}" type="datetime1">
               <a:rPr lang="zh-TW" altLang="en-US" smtClean="0"/>
               <a:pPr/>
-              <a:t>2020/4/22</a:t>
+              <a:t>2021/12/8</a:t>
             </a:fld>
             <a:endParaRPr lang="zh-TW" altLang="en-US"/>
           </a:p>
@@ -1708,7 +1708,7 @@
             <a:fld id="{DF863F05-2DD9-4EB1-A827-12FD992DE9DC}" type="datetime1">
               <a:rPr lang="zh-TW" altLang="en-US" smtClean="0"/>
               <a:pPr/>
-              <a:t>2020/4/22</a:t>
+              <a:t>2021/12/8</a:t>
             </a:fld>
             <a:endParaRPr lang="zh-TW" altLang="en-US"/>
           </a:p>
@@ -2124,7 +2124,7 @@
             <a:fld id="{6339AF51-4491-4873-A096-75DB6CE47516}" type="datetime1">
               <a:rPr lang="zh-TW" altLang="en-US" smtClean="0"/>
               <a:pPr/>
-              <a:t>2020/4/22</a:t>
+              <a:t>2021/12/8</a:t>
             </a:fld>
             <a:endParaRPr lang="zh-TW" altLang="en-US"/>
           </a:p>
@@ -2238,7 +2238,7 @@
             <a:fld id="{EE4AD9C8-8B9E-40FF-ABE2-858AC2057BBB}" type="datetime1">
               <a:rPr lang="zh-TW" altLang="en-US" smtClean="0"/>
               <a:pPr/>
-              <a:t>2020/4/22</a:t>
+              <a:t>2021/12/8</a:t>
             </a:fld>
             <a:endParaRPr lang="zh-TW" altLang="en-US"/>
           </a:p>
@@ -2330,7 +2330,7 @@
             <a:fld id="{B4784999-BBBE-4BE4-A8D0-877E7D1D66CC}" type="datetime1">
               <a:rPr lang="zh-TW" altLang="en-US" smtClean="0"/>
               <a:pPr/>
-              <a:t>2020/4/22</a:t>
+              <a:t>2021/12/8</a:t>
             </a:fld>
             <a:endParaRPr lang="zh-TW" altLang="en-US"/>
           </a:p>
@@ -2602,7 +2602,7 @@
             <a:fld id="{E88D17E6-02BD-4944-B9FE-7BFCCBF83D48}" type="datetime1">
               <a:rPr lang="zh-TW" altLang="en-US" smtClean="0"/>
               <a:pPr/>
-              <a:t>2020/4/22</a:t>
+              <a:t>2021/12/8</a:t>
             </a:fld>
             <a:endParaRPr lang="zh-TW" altLang="en-US"/>
           </a:p>
@@ -2851,7 +2851,7 @@
             <a:fld id="{3C13E23D-1FEF-4D78-A3A3-3D6F2BB31954}" type="datetime1">
               <a:rPr lang="zh-TW" altLang="en-US" smtClean="0"/>
               <a:pPr/>
-              <a:t>2020/4/22</a:t>
+              <a:t>2021/12/8</a:t>
             </a:fld>
             <a:endParaRPr lang="zh-TW" altLang="en-US"/>
           </a:p>
@@ -3059,7 +3059,7 @@
             <a:fld id="{06197F35-AD6F-4594-8B50-334492D2E7E8}" type="datetime1">
               <a:rPr lang="zh-TW" altLang="en-US" smtClean="0"/>
               <a:pPr/>
-              <a:t>2020/4/22</a:t>
+              <a:t>2021/12/8</a:t>
             </a:fld>
             <a:endParaRPr lang="zh-TW" altLang="en-US"/>
           </a:p>
@@ -3520,7 +3520,7 @@
             <a:fld id="{C389EDC9-19E3-47AC-9C57-C6A24DEA81AD}" type="datetime1">
               <a:rPr lang="zh-TW" altLang="en-US" smtClean="0"/>
               <a:pPr/>
-              <a:t>2020/4/22</a:t>
+              <a:t>2021/12/8</a:t>
             </a:fld>
             <a:endParaRPr lang="zh-TW" altLang="en-US"/>
           </a:p>
@@ -3659,7 +3659,7 @@
                   <a:srgbClr val="FFFF00"/>
                 </a:solidFill>
               </a:rPr>
-              <a:t>End of Chapter</a:t>
+              <a:t>End</a:t>
             </a:r>
             <a:endParaRPr lang="zh-TW" altLang="en-US" sz="6000" b="1" dirty="0">
               <a:solidFill>
@@ -3687,7 +3687,7 @@
             <a:fld id="{4E46BE27-E923-4EC2-B046-3272AE2A3E5C}" type="datetime1">
               <a:rPr lang="zh-TW" altLang="en-US" smtClean="0"/>
               <a:pPr/>
-              <a:t>2020/4/22</a:t>
+              <a:t>2021/12/8</a:t>
             </a:fld>
             <a:endParaRPr lang="zh-TW" altLang="en-US"/>
           </a:p>
@@ -3820,7 +3820,7 @@
         <p:spPr>
           <a:xfrm>
             <a:off x="467544" y="1268762"/>
-            <a:ext cx="8064896" cy="2592286"/>
+            <a:ext cx="8064896" cy="2304254"/>
           </a:xfrm>
           <a:ln>
             <a:solidFill>
@@ -3974,13 +3974,11 @@
             </a:r>
           </a:p>
           <a:p>
-            <a:pPr marL="342900" indent="-342900" algn="l">
+            <a:pPr algn="l">
               <a:buClr>
                 <a:srgbClr val="0070C0"/>
               </a:buClr>
               <a:buSzPct val="80000"/>
-              <a:buFont typeface="Wingdings" pitchFamily="2" charset="2"/>
-              <a:buChar char="u"/>
             </a:pPr>
             <a:endParaRPr lang="en-US" sz="1800" b="1" dirty="0">
               <a:solidFill>
@@ -4085,7 +4083,7 @@
             <a:fld id="{A4F910E6-8D00-4BAF-8C48-9688E0B449D3}" type="datetime1">
               <a:rPr lang="zh-TW" altLang="en-US" smtClean="0"/>
               <a:pPr/>
-              <a:t>2020/4/22</a:t>
+              <a:t>2021/12/8</a:t>
             </a:fld>
             <a:endParaRPr lang="zh-TW" altLang="en-US"/>
           </a:p>
@@ -4488,7 +4486,7 @@
             <a:fld id="{A4F910E6-8D00-4BAF-8C48-9688E0B449D3}" type="datetime1">
               <a:rPr lang="zh-TW" altLang="en-US" smtClean="0"/>
               <a:pPr/>
-              <a:t>2020/4/22</a:t>
+              <a:t>2021/12/8</a:t>
             </a:fld>
             <a:endParaRPr lang="zh-TW" altLang="en-US"/>
           </a:p>
@@ -4607,7 +4605,7 @@
             <a:fld id="{C389EDC9-19E3-47AC-9C57-C6A24DEA81AD}" type="datetime1">
               <a:rPr lang="zh-TW" altLang="en-US" smtClean="0"/>
               <a:pPr/>
-              <a:t>2020/4/22</a:t>
+              <a:t>2021/12/8</a:t>
             </a:fld>
             <a:endParaRPr lang="zh-TW" altLang="en-US"/>
           </a:p>
@@ -4939,7 +4937,7 @@
             <a:fld id="{A4F910E6-8D00-4BAF-8C48-9688E0B449D3}" type="datetime1">
               <a:rPr lang="zh-TW" altLang="en-US" smtClean="0"/>
               <a:pPr/>
-              <a:t>2020/4/22</a:t>
+              <a:t>2021/12/8</a:t>
             </a:fld>
             <a:endParaRPr lang="zh-TW" altLang="en-US"/>
           </a:p>
@@ -5404,7 +5402,7 @@
             <a:fld id="{C389EDC9-19E3-47AC-9C57-C6A24DEA81AD}" type="datetime1">
               <a:rPr lang="zh-TW" altLang="en-US" smtClean="0"/>
               <a:pPr/>
-              <a:t>2020/4/22</a:t>
+              <a:t>2021/12/8</a:t>
             </a:fld>
             <a:endParaRPr lang="zh-TW" altLang="en-US"/>
           </a:p>
@@ -5600,7 +5598,7 @@
                   <a:srgbClr val="C00000"/>
                 </a:solidFill>
               </a:rPr>
-              <a:t>How to remove the image (a image is in hard drive)?</a:t>
+              <a:t>How to remove the image (an image is in hard drive)?</a:t>
             </a:r>
           </a:p>
           <a:p>
@@ -5736,7 +5734,7 @@
             <a:fld id="{A4F910E6-8D00-4BAF-8C48-9688E0B449D3}" type="datetime1">
               <a:rPr lang="zh-TW" altLang="en-US" smtClean="0"/>
               <a:pPr/>
-              <a:t>2020/4/22</a:t>
+              <a:t>2021/12/8</a:t>
             </a:fld>
             <a:endParaRPr lang="zh-TW" altLang="en-US"/>
           </a:p>
@@ -6237,7 +6235,7 @@
             <a:fld id="{C389EDC9-19E3-47AC-9C57-C6A24DEA81AD}" type="datetime1">
               <a:rPr lang="zh-TW" altLang="en-US" smtClean="0"/>
               <a:pPr/>
-              <a:t>2020/4/22</a:t>
+              <a:t>2021/12/8</a:t>
             </a:fld>
             <a:endParaRPr lang="zh-TW" altLang="en-US"/>
           </a:p>
@@ -6551,7 +6549,7 @@
             <a:fld id="{A4F910E6-8D00-4BAF-8C48-9688E0B449D3}" type="datetime1">
               <a:rPr lang="zh-TW" altLang="en-US" smtClean="0"/>
               <a:pPr/>
-              <a:t>2020/4/22</a:t>
+              <a:t>2021/12/8</a:t>
             </a:fld>
             <a:endParaRPr lang="zh-TW" altLang="en-US"/>
           </a:p>

--- a/05_DockerHub01.pptx
+++ b/05_DockerHub01.pptx
@@ -218,7 +218,7 @@
             <a:fld id="{6837EDA8-41C8-4B24-A206-13C08A65A6D7}" type="datetimeFigureOut">
               <a:rPr lang="zh-TW" altLang="en-US" smtClean="0"/>
               <a:pPr/>
-              <a:t>2021/12/8</a:t>
+              <a:t>2021/12/9</a:t>
             </a:fld>
             <a:endParaRPr lang="zh-TW" altLang="en-US"/>
           </a:p>
@@ -671,7 +671,7 @@
             <a:fld id="{8B85509C-BD4F-47BF-9B1E-FC2E949B3621}" type="datetime1">
               <a:rPr lang="zh-TW" altLang="en-US" smtClean="0"/>
               <a:pPr/>
-              <a:t>2021/12/8</a:t>
+              <a:t>2021/12/9</a:t>
             </a:fld>
             <a:endParaRPr lang="zh-TW" altLang="en-US"/>
           </a:p>
@@ -844,7 +844,7 @@
             <a:fld id="{42251B24-F787-4C15-8A0F-7AEC20C70069}" type="datetime1">
               <a:rPr lang="zh-TW" altLang="en-US" smtClean="0"/>
               <a:pPr/>
-              <a:t>2021/12/8</a:t>
+              <a:t>2021/12/9</a:t>
             </a:fld>
             <a:endParaRPr lang="zh-TW" altLang="en-US"/>
           </a:p>
@@ -1019,7 +1019,7 @@
             <a:fld id="{9CA0D33C-CE2B-45F1-B8D4-FFD1F131F331}" type="datetime1">
               <a:rPr lang="zh-TW" altLang="en-US" smtClean="0"/>
               <a:pPr/>
-              <a:t>2021/12/8</a:t>
+              <a:t>2021/12/9</a:t>
             </a:fld>
             <a:endParaRPr lang="zh-TW" altLang="en-US"/>
           </a:p>
@@ -1184,7 +1184,7 @@
             <a:fld id="{50B99440-D9EF-40CC-9B52-F6428D9B2C76}" type="datetime1">
               <a:rPr lang="zh-TW" altLang="en-US" smtClean="0"/>
               <a:pPr/>
-              <a:t>2021/12/8</a:t>
+              <a:t>2021/12/9</a:t>
             </a:fld>
             <a:endParaRPr lang="zh-TW" altLang="en-US"/>
           </a:p>
@@ -1426,7 +1426,7 @@
             <a:fld id="{0871BF52-5C6C-4959-8E27-CECB68D39FE4}" type="datetime1">
               <a:rPr lang="zh-TW" altLang="en-US" smtClean="0"/>
               <a:pPr/>
-              <a:t>2021/12/8</a:t>
+              <a:t>2021/12/9</a:t>
             </a:fld>
             <a:endParaRPr lang="zh-TW" altLang="en-US"/>
           </a:p>
@@ -1708,7 +1708,7 @@
             <a:fld id="{DF863F05-2DD9-4EB1-A827-12FD992DE9DC}" type="datetime1">
               <a:rPr lang="zh-TW" altLang="en-US" smtClean="0"/>
               <a:pPr/>
-              <a:t>2021/12/8</a:t>
+              <a:t>2021/12/9</a:t>
             </a:fld>
             <a:endParaRPr lang="zh-TW" altLang="en-US"/>
           </a:p>
@@ -2124,7 +2124,7 @@
             <a:fld id="{6339AF51-4491-4873-A096-75DB6CE47516}" type="datetime1">
               <a:rPr lang="zh-TW" altLang="en-US" smtClean="0"/>
               <a:pPr/>
-              <a:t>2021/12/8</a:t>
+              <a:t>2021/12/9</a:t>
             </a:fld>
             <a:endParaRPr lang="zh-TW" altLang="en-US"/>
           </a:p>
@@ -2238,7 +2238,7 @@
             <a:fld id="{EE4AD9C8-8B9E-40FF-ABE2-858AC2057BBB}" type="datetime1">
               <a:rPr lang="zh-TW" altLang="en-US" smtClean="0"/>
               <a:pPr/>
-              <a:t>2021/12/8</a:t>
+              <a:t>2021/12/9</a:t>
             </a:fld>
             <a:endParaRPr lang="zh-TW" altLang="en-US"/>
           </a:p>
@@ -2330,7 +2330,7 @@
             <a:fld id="{B4784999-BBBE-4BE4-A8D0-877E7D1D66CC}" type="datetime1">
               <a:rPr lang="zh-TW" altLang="en-US" smtClean="0"/>
               <a:pPr/>
-              <a:t>2021/12/8</a:t>
+              <a:t>2021/12/9</a:t>
             </a:fld>
             <a:endParaRPr lang="zh-TW" altLang="en-US"/>
           </a:p>
@@ -2602,7 +2602,7 @@
             <a:fld id="{E88D17E6-02BD-4944-B9FE-7BFCCBF83D48}" type="datetime1">
               <a:rPr lang="zh-TW" altLang="en-US" smtClean="0"/>
               <a:pPr/>
-              <a:t>2021/12/8</a:t>
+              <a:t>2021/12/9</a:t>
             </a:fld>
             <a:endParaRPr lang="zh-TW" altLang="en-US"/>
           </a:p>
@@ -2851,7 +2851,7 @@
             <a:fld id="{3C13E23D-1FEF-4D78-A3A3-3D6F2BB31954}" type="datetime1">
               <a:rPr lang="zh-TW" altLang="en-US" smtClean="0"/>
               <a:pPr/>
-              <a:t>2021/12/8</a:t>
+              <a:t>2021/12/9</a:t>
             </a:fld>
             <a:endParaRPr lang="zh-TW" altLang="en-US"/>
           </a:p>
@@ -3059,7 +3059,7 @@
             <a:fld id="{06197F35-AD6F-4594-8B50-334492D2E7E8}" type="datetime1">
               <a:rPr lang="zh-TW" altLang="en-US" smtClean="0"/>
               <a:pPr/>
-              <a:t>2021/12/8</a:t>
+              <a:t>2021/12/9</a:t>
             </a:fld>
             <a:endParaRPr lang="zh-TW" altLang="en-US"/>
           </a:p>
@@ -3520,7 +3520,7 @@
             <a:fld id="{C389EDC9-19E3-47AC-9C57-C6A24DEA81AD}" type="datetime1">
               <a:rPr lang="zh-TW" altLang="en-US" smtClean="0"/>
               <a:pPr/>
-              <a:t>2021/12/8</a:t>
+              <a:t>2021/12/9</a:t>
             </a:fld>
             <a:endParaRPr lang="zh-TW" altLang="en-US"/>
           </a:p>
@@ -3687,7 +3687,7 @@
             <a:fld id="{4E46BE27-E923-4EC2-B046-3272AE2A3E5C}" type="datetime1">
               <a:rPr lang="zh-TW" altLang="en-US" smtClean="0"/>
               <a:pPr/>
-              <a:t>2021/12/8</a:t>
+              <a:t>2021/12/9</a:t>
             </a:fld>
             <a:endParaRPr lang="zh-TW" altLang="en-US"/>
           </a:p>
@@ -3820,7 +3820,7 @@
         <p:spPr>
           <a:xfrm>
             <a:off x="467544" y="1268762"/>
-            <a:ext cx="8064896" cy="2304254"/>
+            <a:ext cx="8064896" cy="2376262"/>
           </a:xfrm>
           <a:ln>
             <a:solidFill>
@@ -4083,7 +4083,7 @@
             <a:fld id="{A4F910E6-8D00-4BAF-8C48-9688E0B449D3}" type="datetime1">
               <a:rPr lang="zh-TW" altLang="en-US" smtClean="0"/>
               <a:pPr/>
-              <a:t>2021/12/8</a:t>
+              <a:t>2021/12/9</a:t>
             </a:fld>
             <a:endParaRPr lang="zh-TW" altLang="en-US"/>
           </a:p>
@@ -4486,7 +4486,7 @@
             <a:fld id="{A4F910E6-8D00-4BAF-8C48-9688E0B449D3}" type="datetime1">
               <a:rPr lang="zh-TW" altLang="en-US" smtClean="0"/>
               <a:pPr/>
-              <a:t>2021/12/8</a:t>
+              <a:t>2021/12/9</a:t>
             </a:fld>
             <a:endParaRPr lang="zh-TW" altLang="en-US"/>
           </a:p>
@@ -4605,7 +4605,7 @@
             <a:fld id="{C389EDC9-19E3-47AC-9C57-C6A24DEA81AD}" type="datetime1">
               <a:rPr lang="zh-TW" altLang="en-US" smtClean="0"/>
               <a:pPr/>
-              <a:t>2021/12/8</a:t>
+              <a:t>2021/12/9</a:t>
             </a:fld>
             <a:endParaRPr lang="zh-TW" altLang="en-US"/>
           </a:p>
@@ -4937,7 +4937,7 @@
             <a:fld id="{A4F910E6-8D00-4BAF-8C48-9688E0B449D3}" type="datetime1">
               <a:rPr lang="zh-TW" altLang="en-US" smtClean="0"/>
               <a:pPr/>
-              <a:t>2021/12/8</a:t>
+              <a:t>2021/12/9</a:t>
             </a:fld>
             <a:endParaRPr lang="zh-TW" altLang="en-US"/>
           </a:p>
@@ -5402,7 +5402,7 @@
             <a:fld id="{C389EDC9-19E3-47AC-9C57-C6A24DEA81AD}" type="datetime1">
               <a:rPr lang="zh-TW" altLang="en-US" smtClean="0"/>
               <a:pPr/>
-              <a:t>2021/12/8</a:t>
+              <a:t>2021/12/9</a:t>
             </a:fld>
             <a:endParaRPr lang="zh-TW" altLang="en-US"/>
           </a:p>
@@ -5734,7 +5734,7 @@
             <a:fld id="{A4F910E6-8D00-4BAF-8C48-9688E0B449D3}" type="datetime1">
               <a:rPr lang="zh-TW" altLang="en-US" smtClean="0"/>
               <a:pPr/>
-              <a:t>2021/12/8</a:t>
+              <a:t>2021/12/9</a:t>
             </a:fld>
             <a:endParaRPr lang="zh-TW" altLang="en-US"/>
           </a:p>
@@ -6235,7 +6235,7 @@
             <a:fld id="{C389EDC9-19E3-47AC-9C57-C6A24DEA81AD}" type="datetime1">
               <a:rPr lang="zh-TW" altLang="en-US" smtClean="0"/>
               <a:pPr/>
-              <a:t>2021/12/8</a:t>
+              <a:t>2021/12/9</a:t>
             </a:fld>
             <a:endParaRPr lang="zh-TW" altLang="en-US"/>
           </a:p>
@@ -6549,7 +6549,7 @@
             <a:fld id="{A4F910E6-8D00-4BAF-8C48-9688E0B449D3}" type="datetime1">
               <a:rPr lang="zh-TW" altLang="en-US" smtClean="0"/>
               <a:pPr/>
-              <a:t>2021/12/8</a:t>
+              <a:t>2021/12/9</a:t>
             </a:fld>
             <a:endParaRPr lang="zh-TW" altLang="en-US"/>
           </a:p>
